--- a/Lecture-19.pptx
+++ b/Lecture-19.pptx
@@ -15962,8 +15962,8 @@
       </dsp:nvSpPr>
       <dsp:spPr>
         <a:xfrm>
-          <a:off x="0" y="734"/>
-          <a:ext cx="8991600" cy="837464"/>
+          <a:off x="0" y="437"/>
+          <a:ext cx="8991600" cy="837761"/>
         </a:xfrm>
         <a:prstGeom prst="roundRect">
           <a:avLst/>
@@ -16075,8 +16075,8 @@
         </a:p>
       </dsp:txBody>
       <dsp:txXfrm>
-        <a:off x="40882" y="41616"/>
-        <a:ext cx="8909836" cy="755700"/>
+        <a:off x="40896" y="41333"/>
+        <a:ext cx="8909808" cy="755969"/>
       </dsp:txXfrm>
     </dsp:sp>
   </dsp:spTree>
@@ -16098,8 +16098,8 @@
       </dsp:nvSpPr>
       <dsp:spPr>
         <a:xfrm>
-          <a:off x="0" y="734"/>
-          <a:ext cx="8991600" cy="837464"/>
+          <a:off x="0" y="437"/>
+          <a:ext cx="8991600" cy="837761"/>
         </a:xfrm>
         <a:prstGeom prst="roundRect">
           <a:avLst/>
@@ -16211,8 +16211,8 @@
         </a:p>
       </dsp:txBody>
       <dsp:txXfrm>
-        <a:off x="40882" y="41616"/>
-        <a:ext cx="8909836" cy="755700"/>
+        <a:off x="40896" y="41333"/>
+        <a:ext cx="8909808" cy="755969"/>
       </dsp:txXfrm>
     </dsp:sp>
   </dsp:spTree>
@@ -16234,8 +16234,8 @@
       </dsp:nvSpPr>
       <dsp:spPr>
         <a:xfrm>
-          <a:off x="0" y="734"/>
-          <a:ext cx="8991600" cy="837464"/>
+          <a:off x="0" y="437"/>
+          <a:ext cx="8991600" cy="837761"/>
         </a:xfrm>
         <a:prstGeom prst="roundRect">
           <a:avLst/>
@@ -16347,8 +16347,8 @@
         </a:p>
       </dsp:txBody>
       <dsp:txXfrm>
-        <a:off x="40882" y="41616"/>
-        <a:ext cx="8909836" cy="755700"/>
+        <a:off x="40896" y="41333"/>
+        <a:ext cx="8909808" cy="755969"/>
       </dsp:txXfrm>
     </dsp:sp>
   </dsp:spTree>
@@ -16370,8 +16370,8 @@
       </dsp:nvSpPr>
       <dsp:spPr>
         <a:xfrm>
-          <a:off x="0" y="734"/>
-          <a:ext cx="8991600" cy="837464"/>
+          <a:off x="0" y="300"/>
+          <a:ext cx="8991600" cy="837898"/>
         </a:xfrm>
         <a:prstGeom prst="roundRect">
           <a:avLst/>
@@ -16483,8 +16483,8 @@
         </a:p>
       </dsp:txBody>
       <dsp:txXfrm>
-        <a:off x="40882" y="41616"/>
-        <a:ext cx="8909836" cy="755700"/>
+        <a:off x="40903" y="41203"/>
+        <a:ext cx="8909794" cy="756092"/>
       </dsp:txXfrm>
     </dsp:sp>
   </dsp:spTree>
@@ -16770,8 +16770,8 @@
       </dsp:nvSpPr>
       <dsp:spPr>
         <a:xfrm>
-          <a:off x="0" y="734"/>
-          <a:ext cx="8991600" cy="837464"/>
+          <a:off x="0" y="300"/>
+          <a:ext cx="8991600" cy="837898"/>
         </a:xfrm>
         <a:prstGeom prst="roundRect">
           <a:avLst/>
@@ -16883,8 +16883,8 @@
         </a:p>
       </dsp:txBody>
       <dsp:txXfrm>
-        <a:off x="40882" y="41616"/>
-        <a:ext cx="8909836" cy="755700"/>
+        <a:off x="40903" y="41203"/>
+        <a:ext cx="8909794" cy="756092"/>
       </dsp:txXfrm>
     </dsp:sp>
   </dsp:spTree>
@@ -16899,130 +16899,6 @@
       <dsp:cNvGrpSpPr/>
     </dsp:nvGrpSpPr>
     <dsp:grpSpPr/>
-    <dsp:sp modelId="{6BEE3FDB-5D50-44E2-8CCA-D18A6E3D229D}">
-      <dsp:nvSpPr>
-        <dsp:cNvPr id="0" name=""/>
-        <dsp:cNvSpPr/>
-      </dsp:nvSpPr>
-      <dsp:spPr>
-        <a:xfrm>
-          <a:off x="0" y="734"/>
-          <a:ext cx="8991600" cy="837464"/>
-        </a:xfrm>
-        <a:prstGeom prst="roundRect">
-          <a:avLst/>
-        </a:prstGeom>
-        <a:gradFill rotWithShape="0">
-          <a:gsLst>
-            <a:gs pos="0">
-              <a:schemeClr val="accent1">
-                <a:hueOff val="0"/>
-                <a:satOff val="0"/>
-                <a:lumOff val="0"/>
-                <a:alphaOff val="0"/>
-                <a:tint val="70000"/>
-                <a:satMod val="130000"/>
-              </a:schemeClr>
-            </a:gs>
-            <a:gs pos="43000">
-              <a:schemeClr val="accent1">
-                <a:hueOff val="0"/>
-                <a:satOff val="0"/>
-                <a:lumOff val="0"/>
-                <a:alphaOff val="0"/>
-                <a:tint val="44000"/>
-                <a:satMod val="165000"/>
-              </a:schemeClr>
-            </a:gs>
-            <a:gs pos="93000">
-              <a:schemeClr val="accent1">
-                <a:hueOff val="0"/>
-                <a:satOff val="0"/>
-                <a:lumOff val="0"/>
-                <a:alphaOff val="0"/>
-                <a:tint val="15000"/>
-                <a:satMod val="165000"/>
-              </a:schemeClr>
-            </a:gs>
-            <a:gs pos="100000">
-              <a:schemeClr val="accent1">
-                <a:hueOff val="0"/>
-                <a:satOff val="0"/>
-                <a:lumOff val="0"/>
-                <a:alphaOff val="0"/>
-                <a:tint val="5000"/>
-                <a:satMod val="250000"/>
-              </a:schemeClr>
-            </a:gs>
-          </a:gsLst>
-          <a:path path="circle">
-            <a:fillToRect l="50000" t="130000" r="50000" b="-30000"/>
-          </a:path>
-        </a:gradFill>
-        <a:ln>
-          <a:noFill/>
-        </a:ln>
-        <a:effectLst>
-          <a:glow rad="228600">
-            <a:schemeClr val="accent1">
-              <a:satMod val="175000"/>
-              <a:alpha val="40000"/>
-            </a:schemeClr>
-          </a:glow>
-        </a:effectLst>
-        <a:scene3d>
-          <a:camera prst="orthographicFront"/>
-          <a:lightRig rig="contrasting" dir="t">
-            <a:rot lat="0" lon="0" rev="7800000"/>
-          </a:lightRig>
-        </a:scene3d>
-        <a:sp3d>
-          <a:bevelT w="139700" h="139700"/>
-        </a:sp3d>
-      </dsp:spPr>
-      <dsp:style>
-        <a:lnRef idx="0">
-          <a:scrgbClr r="0" g="0" b="0"/>
-        </a:lnRef>
-        <a:fillRef idx="2">
-          <a:scrgbClr r="0" g="0" b="0"/>
-        </a:fillRef>
-        <a:effectRef idx="1">
-          <a:scrgbClr r="0" g="0" b="0"/>
-        </a:effectRef>
-        <a:fontRef idx="minor">
-          <a:schemeClr val="dk1"/>
-        </a:fontRef>
-      </dsp:style>
-      <dsp:txBody>
-        <a:bodyPr spcFirstLastPara="0" vert="horz" wrap="square" lIns="137160" tIns="137160" rIns="137160" bIns="137160" numCol="1" spcCol="1270" anchor="ctr" anchorCtr="0">
-          <a:noAutofit/>
-        </a:bodyPr>
-        <a:lstStyle/>
-        <a:p>
-          <a:pPr lvl="0" algn="ctr" defTabSz="1600200" rtl="0">
-            <a:lnSpc>
-              <a:spcPct val="90000"/>
-            </a:lnSpc>
-            <a:spcBef>
-              <a:spcPct val="0"/>
-            </a:spcBef>
-            <a:spcAft>
-              <a:spcPct val="35000"/>
-            </a:spcAft>
-          </a:pPr>
-          <a:r>
-            <a:rPr lang="en-US" sz="3600" b="1" kern="1200" dirty="0" err="1" smtClean="0"/>
-            <a:t>JButton</a:t>
-          </a:r>
-          <a:endParaRPr lang="en-US" sz="3600" b="1" kern="1200" dirty="0"/>
-        </a:p>
-      </dsp:txBody>
-      <dsp:txXfrm>
-        <a:off x="40882" y="41616"/>
-        <a:ext cx="8909836" cy="755700"/>
-      </dsp:txXfrm>
-    </dsp:sp>
   </dsp:spTree>
 </dsp:drawing>
 </file>
@@ -17035,130 +16911,6 @@
       <dsp:cNvGrpSpPr/>
     </dsp:nvGrpSpPr>
     <dsp:grpSpPr/>
-    <dsp:sp modelId="{6BEE3FDB-5D50-44E2-8CCA-D18A6E3D229D}">
-      <dsp:nvSpPr>
-        <dsp:cNvPr id="0" name=""/>
-        <dsp:cNvSpPr/>
-      </dsp:nvSpPr>
-      <dsp:spPr>
-        <a:xfrm>
-          <a:off x="0" y="734"/>
-          <a:ext cx="8991600" cy="837464"/>
-        </a:xfrm>
-        <a:prstGeom prst="roundRect">
-          <a:avLst/>
-        </a:prstGeom>
-        <a:gradFill rotWithShape="0">
-          <a:gsLst>
-            <a:gs pos="0">
-              <a:schemeClr val="accent1">
-                <a:hueOff val="0"/>
-                <a:satOff val="0"/>
-                <a:lumOff val="0"/>
-                <a:alphaOff val="0"/>
-                <a:tint val="70000"/>
-                <a:satMod val="130000"/>
-              </a:schemeClr>
-            </a:gs>
-            <a:gs pos="43000">
-              <a:schemeClr val="accent1">
-                <a:hueOff val="0"/>
-                <a:satOff val="0"/>
-                <a:lumOff val="0"/>
-                <a:alphaOff val="0"/>
-                <a:tint val="44000"/>
-                <a:satMod val="165000"/>
-              </a:schemeClr>
-            </a:gs>
-            <a:gs pos="93000">
-              <a:schemeClr val="accent1">
-                <a:hueOff val="0"/>
-                <a:satOff val="0"/>
-                <a:lumOff val="0"/>
-                <a:alphaOff val="0"/>
-                <a:tint val="15000"/>
-                <a:satMod val="165000"/>
-              </a:schemeClr>
-            </a:gs>
-            <a:gs pos="100000">
-              <a:schemeClr val="accent1">
-                <a:hueOff val="0"/>
-                <a:satOff val="0"/>
-                <a:lumOff val="0"/>
-                <a:alphaOff val="0"/>
-                <a:tint val="5000"/>
-                <a:satMod val="250000"/>
-              </a:schemeClr>
-            </a:gs>
-          </a:gsLst>
-          <a:path path="circle">
-            <a:fillToRect l="50000" t="130000" r="50000" b="-30000"/>
-          </a:path>
-        </a:gradFill>
-        <a:ln>
-          <a:noFill/>
-        </a:ln>
-        <a:effectLst>
-          <a:glow rad="228600">
-            <a:schemeClr val="accent1">
-              <a:satMod val="175000"/>
-              <a:alpha val="40000"/>
-            </a:schemeClr>
-          </a:glow>
-        </a:effectLst>
-        <a:scene3d>
-          <a:camera prst="orthographicFront"/>
-          <a:lightRig rig="contrasting" dir="t">
-            <a:rot lat="0" lon="0" rev="7800000"/>
-          </a:lightRig>
-        </a:scene3d>
-        <a:sp3d>
-          <a:bevelT w="139700" h="139700"/>
-        </a:sp3d>
-      </dsp:spPr>
-      <dsp:style>
-        <a:lnRef idx="0">
-          <a:scrgbClr r="0" g="0" b="0"/>
-        </a:lnRef>
-        <a:fillRef idx="2">
-          <a:scrgbClr r="0" g="0" b="0"/>
-        </a:fillRef>
-        <a:effectRef idx="1">
-          <a:scrgbClr r="0" g="0" b="0"/>
-        </a:effectRef>
-        <a:fontRef idx="minor">
-          <a:schemeClr val="dk1"/>
-        </a:fontRef>
-      </dsp:style>
-      <dsp:txBody>
-        <a:bodyPr spcFirstLastPara="0" vert="horz" wrap="square" lIns="137160" tIns="137160" rIns="137160" bIns="137160" numCol="1" spcCol="1270" anchor="ctr" anchorCtr="0">
-          <a:noAutofit/>
-        </a:bodyPr>
-        <a:lstStyle/>
-        <a:p>
-          <a:pPr lvl="0" algn="ctr" defTabSz="1600200" rtl="0">
-            <a:lnSpc>
-              <a:spcPct val="90000"/>
-            </a:lnSpc>
-            <a:spcBef>
-              <a:spcPct val="0"/>
-            </a:spcBef>
-            <a:spcAft>
-              <a:spcPct val="35000"/>
-            </a:spcAft>
-          </a:pPr>
-          <a:r>
-            <a:rPr lang="en-US" sz="3600" b="1" kern="1200" dirty="0" err="1" smtClean="0"/>
-            <a:t>JButton</a:t>
-          </a:r>
-          <a:endParaRPr lang="en-US" sz="3600" b="1" kern="1200" dirty="0"/>
-        </a:p>
-      </dsp:txBody>
-      <dsp:txXfrm>
-        <a:off x="40882" y="41616"/>
-        <a:ext cx="8909836" cy="755700"/>
-      </dsp:txXfrm>
-    </dsp:sp>
   </dsp:spTree>
 </dsp:drawing>
 </file>
@@ -17994,8 +17746,8 @@
       </dsp:nvSpPr>
       <dsp:spPr>
         <a:xfrm>
-          <a:off x="0" y="734"/>
-          <a:ext cx="8991600" cy="837464"/>
+          <a:off x="0" y="300"/>
+          <a:ext cx="8991600" cy="837898"/>
         </a:xfrm>
         <a:prstGeom prst="roundRect">
           <a:avLst/>
@@ -18107,8 +17859,8 @@
         </a:p>
       </dsp:txBody>
       <dsp:txXfrm>
-        <a:off x="40882" y="41616"/>
-        <a:ext cx="8909836" cy="755700"/>
+        <a:off x="40903" y="41203"/>
+        <a:ext cx="8909794" cy="756092"/>
       </dsp:txXfrm>
     </dsp:sp>
   </dsp:spTree>
@@ -18130,8 +17882,8 @@
       </dsp:nvSpPr>
       <dsp:spPr>
         <a:xfrm>
-          <a:off x="0" y="734"/>
-          <a:ext cx="8991600" cy="837464"/>
+          <a:off x="0" y="300"/>
+          <a:ext cx="8991600" cy="837898"/>
         </a:xfrm>
         <a:prstGeom prst="roundRect">
           <a:avLst/>
@@ -18243,8 +17995,8 @@
         </a:p>
       </dsp:txBody>
       <dsp:txXfrm>
-        <a:off x="40882" y="41616"/>
-        <a:ext cx="8909836" cy="755700"/>
+        <a:off x="40903" y="41203"/>
+        <a:ext cx="8909794" cy="756092"/>
       </dsp:txXfrm>
     </dsp:sp>
   </dsp:spTree>
@@ -49592,7 +49344,25 @@
                 </a:solidFill>
                 <a:latin typeface="Book Antiqua" pitchFamily="18" charset="0"/>
               </a:rPr>
-              <a:t>Implement an appropriate interface, known as an event-listener interface, in the class from Step 1.</a:t>
+              <a:t>Implement an appropriate interface, known as an </a:t>
+            </a:r>
+            <a:r>
+              <a:rPr lang="en-US" sz="2400" dirty="0" smtClean="0">
+                <a:solidFill>
+                  <a:srgbClr val="FF0000"/>
+                </a:solidFill>
+                <a:latin typeface="Book Antiqua" pitchFamily="18" charset="0"/>
+              </a:rPr>
+              <a:t>event-listener interface</a:t>
+            </a:r>
+            <a:r>
+              <a:rPr lang="en-US" sz="2400" dirty="0" smtClean="0">
+                <a:solidFill>
+                  <a:schemeClr val="tx2"/>
+                </a:solidFill>
+                <a:latin typeface="Book Antiqua" pitchFamily="18" charset="0"/>
+              </a:rPr>
+              <a:t>, in the class from Step 1.</a:t>
             </a:r>
           </a:p>
           <a:p>
